--- a/lesson08.pptx
+++ b/lesson08.pptx
@@ -5,7 +5,7 @@
     <p:sldMasterId id="2147483648" r:id="rId1"/>
   </p:sldMasterIdLst>
   <p:notesMasterIdLst>
-    <p:notesMasterId r:id="rId19"/>
+    <p:notesMasterId r:id="rId16"/>
   </p:notesMasterIdLst>
   <p:sldIdLst>
     <p:sldId id="538" r:id="rId2"/>
@@ -14,17 +14,14 @@
     <p:sldId id="510" r:id="rId5"/>
     <p:sldId id="551" r:id="rId6"/>
     <p:sldId id="569" r:id="rId7"/>
-    <p:sldId id="570" r:id="rId8"/>
-    <p:sldId id="520" r:id="rId9"/>
-    <p:sldId id="521" r:id="rId10"/>
-    <p:sldId id="533" r:id="rId11"/>
-    <p:sldId id="442" r:id="rId12"/>
-    <p:sldId id="543" r:id="rId13"/>
-    <p:sldId id="544" r:id="rId14"/>
-    <p:sldId id="561" r:id="rId15"/>
-    <p:sldId id="559" r:id="rId16"/>
-    <p:sldId id="545" r:id="rId17"/>
-    <p:sldId id="568" r:id="rId18"/>
+    <p:sldId id="533" r:id="rId8"/>
+    <p:sldId id="442" r:id="rId9"/>
+    <p:sldId id="543" r:id="rId10"/>
+    <p:sldId id="544" r:id="rId11"/>
+    <p:sldId id="561" r:id="rId12"/>
+    <p:sldId id="559" r:id="rId13"/>
+    <p:sldId id="545" r:id="rId14"/>
+    <p:sldId id="568" r:id="rId15"/>
   </p:sldIdLst>
   <p:sldSz cx="12192000" cy="6858000"/>
   <p:notesSz cx="6858000" cy="9144000"/>
@@ -145,7 +142,7 @@
 <file path=ppt/revisionInfo.xml><?xml version="1.0" encoding="utf-8"?>
 <p1510:revInfo xmlns:a="http://schemas.openxmlformats.org/drawingml/2006/main" xmlns:r="http://schemas.openxmlformats.org/officeDocument/2006/relationships" xmlns:p1510="http://schemas.microsoft.com/office/powerpoint/2015/10/main">
   <p1510:revLst>
-    <p1510:client id="{74732030-CE70-4DFF-8302-656231C32B24}" v="14" dt="2021-11-24T07:49:14.157"/>
+    <p1510:client id="{93CA1F2A-9A5F-4067-95A9-27BCD65C3C5B}" v="8" dt="2022-04-01T16:59:09.492"/>
   </p1510:revLst>
 </p1510:revInfo>
 </file>
@@ -758,6 +755,190 @@
       </pc:sldChg>
     </pc:docChg>
   </pc:docChgLst>
+  <pc:docChgLst>
+    <pc:chgData name="Anatoliy Kigel" userId="7432c6c4687b0a9c" providerId="LiveId" clId="{93CA1F2A-9A5F-4067-95A9-27BCD65C3C5B}"/>
+    <pc:docChg chg="undo custSel addSld delSld modSld">
+      <pc:chgData name="Anatoliy Kigel" userId="7432c6c4687b0a9c" providerId="LiveId" clId="{93CA1F2A-9A5F-4067-95A9-27BCD65C3C5B}" dt="2022-04-01T17:02:53.013" v="331" actId="207"/>
+      <pc:docMkLst>
+        <pc:docMk/>
+      </pc:docMkLst>
+      <pc:sldChg chg="del">
+        <pc:chgData name="Anatoliy Kigel" userId="7432c6c4687b0a9c" providerId="LiveId" clId="{93CA1F2A-9A5F-4067-95A9-27BCD65C3C5B}" dt="2022-04-01T16:54:24.843" v="10" actId="47"/>
+        <pc:sldMkLst>
+          <pc:docMk/>
+          <pc:sldMk cId="1487823905" sldId="520"/>
+        </pc:sldMkLst>
+      </pc:sldChg>
+      <pc:sldChg chg="del">
+        <pc:chgData name="Anatoliy Kigel" userId="7432c6c4687b0a9c" providerId="LiveId" clId="{93CA1F2A-9A5F-4067-95A9-27BCD65C3C5B}" dt="2022-04-01T16:54:24.843" v="10" actId="47"/>
+        <pc:sldMkLst>
+          <pc:docMk/>
+          <pc:sldMk cId="2026322808" sldId="521"/>
+        </pc:sldMkLst>
+      </pc:sldChg>
+      <pc:sldChg chg="modSp mod">
+        <pc:chgData name="Anatoliy Kigel" userId="7432c6c4687b0a9c" providerId="LiveId" clId="{93CA1F2A-9A5F-4067-95A9-27BCD65C3C5B}" dt="2022-04-01T16:54:28.649" v="13" actId="20577"/>
+        <pc:sldMkLst>
+          <pc:docMk/>
+          <pc:sldMk cId="3655498139" sldId="533"/>
+        </pc:sldMkLst>
+        <pc:spChg chg="mod">
+          <ac:chgData name="Anatoliy Kigel" userId="7432c6c4687b0a9c" providerId="LiveId" clId="{93CA1F2A-9A5F-4067-95A9-27BCD65C3C5B}" dt="2022-04-01T16:54:28.649" v="13" actId="20577"/>
+          <ac:spMkLst>
+            <pc:docMk/>
+            <pc:sldMk cId="3655498139" sldId="533"/>
+            <ac:spMk id="5" creationId="{00000000-0000-0000-0000-000000000000}"/>
+          </ac:spMkLst>
+        </pc:spChg>
+      </pc:sldChg>
+      <pc:sldChg chg="addSp delSp modSp mod">
+        <pc:chgData name="Anatoliy Kigel" userId="7432c6c4687b0a9c" providerId="LiveId" clId="{93CA1F2A-9A5F-4067-95A9-27BCD65C3C5B}" dt="2022-04-01T16:54:08.951" v="9" actId="1076"/>
+        <pc:sldMkLst>
+          <pc:docMk/>
+          <pc:sldMk cId="1383931911" sldId="551"/>
+        </pc:sldMkLst>
+        <pc:spChg chg="mod">
+          <ac:chgData name="Anatoliy Kigel" userId="7432c6c4687b0a9c" providerId="LiveId" clId="{93CA1F2A-9A5F-4067-95A9-27BCD65C3C5B}" dt="2022-04-01T16:54:04.864" v="8" actId="6549"/>
+          <ac:spMkLst>
+            <pc:docMk/>
+            <pc:sldMk cId="1383931911" sldId="551"/>
+            <ac:spMk id="6" creationId="{00000000-0000-0000-0000-000000000000}"/>
+          </ac:spMkLst>
+        </pc:spChg>
+        <pc:picChg chg="add mod">
+          <ac:chgData name="Anatoliy Kigel" userId="7432c6c4687b0a9c" providerId="LiveId" clId="{93CA1F2A-9A5F-4067-95A9-27BCD65C3C5B}" dt="2022-04-01T16:54:08.951" v="9" actId="1076"/>
+          <ac:picMkLst>
+            <pc:docMk/>
+            <pc:sldMk cId="1383931911" sldId="551"/>
+            <ac:picMk id="4" creationId="{1B47DFDF-DE70-4DCC-897F-D9AB9D83E5A9}"/>
+          </ac:picMkLst>
+        </pc:picChg>
+        <pc:picChg chg="del">
+          <ac:chgData name="Anatoliy Kigel" userId="7432c6c4687b0a9c" providerId="LiveId" clId="{93CA1F2A-9A5F-4067-95A9-27BCD65C3C5B}" dt="2022-04-01T16:53:25.594" v="0" actId="478"/>
+          <ac:picMkLst>
+            <pc:docMk/>
+            <pc:sldMk cId="1383931911" sldId="551"/>
+            <ac:picMk id="5" creationId="{00000000-0000-0000-0000-000000000000}"/>
+          </ac:picMkLst>
+        </pc:picChg>
+      </pc:sldChg>
+      <pc:sldChg chg="addSp modSp mod">
+        <pc:chgData name="Anatoliy Kigel" userId="7432c6c4687b0a9c" providerId="LiveId" clId="{93CA1F2A-9A5F-4067-95A9-27BCD65C3C5B}" dt="2022-04-01T16:55:55.642" v="23" actId="571"/>
+        <pc:sldMkLst>
+          <pc:docMk/>
+          <pc:sldMk cId="60902838" sldId="553"/>
+        </pc:sldMkLst>
+        <pc:spChg chg="add mod">
+          <ac:chgData name="Anatoliy Kigel" userId="7432c6c4687b0a9c" providerId="LiveId" clId="{93CA1F2A-9A5F-4067-95A9-27BCD65C3C5B}" dt="2022-04-01T16:55:55.642" v="23" actId="571"/>
+          <ac:spMkLst>
+            <pc:docMk/>
+            <pc:sldMk cId="60902838" sldId="553"/>
+            <ac:spMk id="7" creationId="{B0BB784C-931F-4524-9FD5-C539F7ED60F6}"/>
+          </ac:spMkLst>
+        </pc:spChg>
+        <pc:spChg chg="mod">
+          <ac:chgData name="Anatoliy Kigel" userId="7432c6c4687b0a9c" providerId="LiveId" clId="{93CA1F2A-9A5F-4067-95A9-27BCD65C3C5B}" dt="2022-04-01T16:55:51.824" v="21" actId="1076"/>
+          <ac:spMkLst>
+            <pc:docMk/>
+            <pc:sldMk cId="60902838" sldId="553"/>
+            <ac:spMk id="13" creationId="{00000000-0000-0000-0000-000000000000}"/>
+          </ac:spMkLst>
+        </pc:spChg>
+        <pc:picChg chg="mod">
+          <ac:chgData name="Anatoliy Kigel" userId="7432c6c4687b0a9c" providerId="LiveId" clId="{93CA1F2A-9A5F-4067-95A9-27BCD65C3C5B}" dt="2022-04-01T16:55:52.903" v="22" actId="1076"/>
+          <ac:picMkLst>
+            <pc:docMk/>
+            <pc:sldMk cId="60902838" sldId="553"/>
+            <ac:picMk id="2052" creationId="{00000000-0000-0000-0000-000000000000}"/>
+          </ac:picMkLst>
+        </pc:picChg>
+      </pc:sldChg>
+      <pc:sldChg chg="modSp mod">
+        <pc:chgData name="Anatoliy Kigel" userId="7432c6c4687b0a9c" providerId="LiveId" clId="{93CA1F2A-9A5F-4067-95A9-27BCD65C3C5B}" dt="2022-04-01T17:02:53.013" v="331" actId="207"/>
+        <pc:sldMkLst>
+          <pc:docMk/>
+          <pc:sldMk cId="1614643305" sldId="568"/>
+        </pc:sldMkLst>
+        <pc:spChg chg="mod">
+          <ac:chgData name="Anatoliy Kigel" userId="7432c6c4687b0a9c" providerId="LiveId" clId="{93CA1F2A-9A5F-4067-95A9-27BCD65C3C5B}" dt="2022-04-01T17:02:53.013" v="331" actId="207"/>
+          <ac:spMkLst>
+            <pc:docMk/>
+            <pc:sldMk cId="1614643305" sldId="568"/>
+            <ac:spMk id="3" creationId="{00000000-0000-0000-0000-000000000000}"/>
+          </ac:spMkLst>
+        </pc:spChg>
+      </pc:sldChg>
+      <pc:sldChg chg="del">
+        <pc:chgData name="Anatoliy Kigel" userId="7432c6c4687b0a9c" providerId="LiveId" clId="{93CA1F2A-9A5F-4067-95A9-27BCD65C3C5B}" dt="2022-04-01T16:54:24.843" v="10" actId="47"/>
+        <pc:sldMkLst>
+          <pc:docMk/>
+          <pc:sldMk cId="698367479" sldId="569"/>
+        </pc:sldMkLst>
+      </pc:sldChg>
+      <pc:sldChg chg="addSp delSp modSp add mod">
+        <pc:chgData name="Anatoliy Kigel" userId="7432c6c4687b0a9c" providerId="LiveId" clId="{93CA1F2A-9A5F-4067-95A9-27BCD65C3C5B}" dt="2022-04-01T17:01:02.313" v="326" actId="1038"/>
+        <pc:sldMkLst>
+          <pc:docMk/>
+          <pc:sldMk cId="3534537529" sldId="569"/>
+        </pc:sldMkLst>
+        <pc:spChg chg="add del">
+          <ac:chgData name="Anatoliy Kigel" userId="7432c6c4687b0a9c" providerId="LiveId" clId="{93CA1F2A-9A5F-4067-95A9-27BCD65C3C5B}" dt="2022-04-01T16:56:31.463" v="98"/>
+          <ac:spMkLst>
+            <pc:docMk/>
+            <pc:sldMk cId="3534537529" sldId="569"/>
+            <ac:spMk id="2" creationId="{C2EC837D-223D-4BE0-B243-1312D162A1D2}"/>
+          </ac:spMkLst>
+        </pc:spChg>
+        <pc:spChg chg="mod">
+          <ac:chgData name="Anatoliy Kigel" userId="7432c6c4687b0a9c" providerId="LiveId" clId="{93CA1F2A-9A5F-4067-95A9-27BCD65C3C5B}" dt="2022-04-01T16:58:46.981" v="141" actId="403"/>
+          <ac:spMkLst>
+            <pc:docMk/>
+            <pc:sldMk cId="3534537529" sldId="569"/>
+            <ac:spMk id="3" creationId="{00000000-0000-0000-0000-000000000000}"/>
+          </ac:spMkLst>
+        </pc:spChg>
+        <pc:spChg chg="del">
+          <ac:chgData name="Anatoliy Kigel" userId="7432c6c4687b0a9c" providerId="LiveId" clId="{93CA1F2A-9A5F-4067-95A9-27BCD65C3C5B}" dt="2022-04-01T16:56:43.101" v="106" actId="478"/>
+          <ac:spMkLst>
+            <pc:docMk/>
+            <pc:sldMk cId="3534537529" sldId="569"/>
+            <ac:spMk id="6" creationId="{00000000-0000-0000-0000-000000000000}"/>
+          </ac:spMkLst>
+        </pc:spChg>
+        <pc:spChg chg="add mod">
+          <ac:chgData name="Anatoliy Kigel" userId="7432c6c4687b0a9c" providerId="LiveId" clId="{93CA1F2A-9A5F-4067-95A9-27BCD65C3C5B}" dt="2022-04-01T16:58:36.361" v="131" actId="255"/>
+          <ac:spMkLst>
+            <pc:docMk/>
+            <pc:sldMk cId="3534537529" sldId="569"/>
+            <ac:spMk id="8" creationId="{D7F0917B-E558-468B-A3CE-BD6F3CDB72E7}"/>
+          </ac:spMkLst>
+        </pc:spChg>
+        <pc:spChg chg="add mod">
+          <ac:chgData name="Anatoliy Kigel" userId="7432c6c4687b0a9c" providerId="LiveId" clId="{93CA1F2A-9A5F-4067-95A9-27BCD65C3C5B}" dt="2022-04-01T17:01:02.313" v="326" actId="1038"/>
+          <ac:spMkLst>
+            <pc:docMk/>
+            <pc:sldMk cId="3534537529" sldId="569"/>
+            <ac:spMk id="9" creationId="{7997FD09-DE63-40F3-8B39-263C54BEDE04}"/>
+          </ac:spMkLst>
+        </pc:spChg>
+        <pc:picChg chg="del">
+          <ac:chgData name="Anatoliy Kigel" userId="7432c6c4687b0a9c" providerId="LiveId" clId="{93CA1F2A-9A5F-4067-95A9-27BCD65C3C5B}" dt="2022-04-01T16:56:28.032" v="96" actId="478"/>
+          <ac:picMkLst>
+            <pc:docMk/>
+            <pc:sldMk cId="3534537529" sldId="569"/>
+            <ac:picMk id="4" creationId="{1B47DFDF-DE70-4DCC-897F-D9AB9D83E5A9}"/>
+          </ac:picMkLst>
+        </pc:picChg>
+      </pc:sldChg>
+      <pc:sldChg chg="del">
+        <pc:chgData name="Anatoliy Kigel" userId="7432c6c4687b0a9c" providerId="LiveId" clId="{93CA1F2A-9A5F-4067-95A9-27BCD65C3C5B}" dt="2022-04-01T16:54:24.843" v="10" actId="47"/>
+        <pc:sldMkLst>
+          <pc:docMk/>
+          <pc:sldMk cId="3143375927" sldId="570"/>
+        </pc:sldMkLst>
+      </pc:sldChg>
+    </pc:docChg>
+  </pc:docChgLst>
 </pc:chgInfo>
 </file>
 
@@ -844,7 +1025,7 @@
             <a:fld id="{85522811-C5C6-42D2-A409-F8556720C93F}" type="datetimeFigureOut">
               <a:rPr lang="uk-UA" smtClean="0"/>
               <a:pPr/>
-              <a:t>24.11.2021</a:t>
+              <a:t>01.04.2022</a:t>
             </a:fld>
             <a:endParaRPr lang="uk-UA"/>
           </a:p>
@@ -1384,7 +1565,7 @@
             <a:fld id="{E6FC6B0D-6115-4D7C-8040-9C8E2349BB6E}" type="datetime1">
               <a:rPr lang="uk-UA" smtClean="0"/>
               <a:pPr/>
-              <a:t>24.11.2021</a:t>
+              <a:t>01.04.2022</a:t>
             </a:fld>
             <a:endParaRPr lang="uk-UA"/>
           </a:p>
@@ -1551,7 +1732,7 @@
             <a:fld id="{996367BA-0A39-4DE2-BFC3-D5290044365E}" type="datetime1">
               <a:rPr lang="uk-UA" smtClean="0"/>
               <a:pPr/>
-              <a:t>24.11.2021</a:t>
+              <a:t>01.04.2022</a:t>
             </a:fld>
             <a:endParaRPr lang="uk-UA"/>
           </a:p>
@@ -1728,7 +1909,7 @@
             <a:fld id="{1BD6A67F-6C29-47DC-AF8A-FDB3C787DF70}" type="datetime1">
               <a:rPr lang="uk-UA" smtClean="0"/>
               <a:pPr/>
-              <a:t>24.11.2021</a:t>
+              <a:t>01.04.2022</a:t>
             </a:fld>
             <a:endParaRPr lang="uk-UA"/>
           </a:p>
@@ -1895,7 +2076,7 @@
             <a:fld id="{1657D9C5-7FF1-434F-B56E-9BAD559744E9}" type="datetime1">
               <a:rPr lang="uk-UA" smtClean="0"/>
               <a:pPr/>
-              <a:t>24.11.2021</a:t>
+              <a:t>01.04.2022</a:t>
             </a:fld>
             <a:endParaRPr lang="uk-UA"/>
           </a:p>
@@ -2138,7 +2319,7 @@
             <a:fld id="{2CEB0FC9-DE63-476B-A1A9-BE934D9049F8}" type="datetime1">
               <a:rPr lang="uk-UA" smtClean="0"/>
               <a:pPr/>
-              <a:t>24.11.2021</a:t>
+              <a:t>01.04.2022</a:t>
             </a:fld>
             <a:endParaRPr lang="uk-UA"/>
           </a:p>
@@ -2423,7 +2604,7 @@
             <a:fld id="{F964460F-86E2-4DF6-9D0F-12F5005CF375}" type="datetime1">
               <a:rPr lang="uk-UA" smtClean="0"/>
               <a:pPr/>
-              <a:t>24.11.2021</a:t>
+              <a:t>01.04.2022</a:t>
             </a:fld>
             <a:endParaRPr lang="uk-UA"/>
           </a:p>
@@ -2842,7 +3023,7 @@
             <a:fld id="{C521715E-DDCD-4267-B0A5-2918B6F6768A}" type="datetime1">
               <a:rPr lang="uk-UA" smtClean="0"/>
               <a:pPr/>
-              <a:t>24.11.2021</a:t>
+              <a:t>01.04.2022</a:t>
             </a:fld>
             <a:endParaRPr lang="uk-UA"/>
           </a:p>
@@ -2957,7 +3138,7 @@
             <a:fld id="{9289842C-EB2D-4EBB-A272-2F6A49D9794D}" type="datetime1">
               <a:rPr lang="uk-UA" smtClean="0"/>
               <a:pPr/>
-              <a:t>24.11.2021</a:t>
+              <a:t>01.04.2022</a:t>
             </a:fld>
             <a:endParaRPr lang="uk-UA"/>
           </a:p>
@@ -3049,7 +3230,7 @@
             <a:fld id="{D036F091-B700-4B52-99AC-85D0FD94D904}" type="datetime1">
               <a:rPr lang="uk-UA" smtClean="0"/>
               <a:pPr/>
-              <a:t>24.11.2021</a:t>
+              <a:t>01.04.2022</a:t>
             </a:fld>
             <a:endParaRPr lang="uk-UA"/>
           </a:p>
@@ -3323,7 +3504,7 @@
             <a:fld id="{B35DFABA-3811-4634-B803-2EAC4CD0063B}" type="datetime1">
               <a:rPr lang="uk-UA" smtClean="0"/>
               <a:pPr/>
-              <a:t>24.11.2021</a:t>
+              <a:t>01.04.2022</a:t>
             </a:fld>
             <a:endParaRPr lang="uk-UA"/>
           </a:p>
@@ -3573,7 +3754,7 @@
             <a:fld id="{8A9EA25E-F88E-463A-A119-D1E55A881002}" type="datetime1">
               <a:rPr lang="uk-UA" smtClean="0"/>
               <a:pPr/>
-              <a:t>24.11.2021</a:t>
+              <a:t>01.04.2022</a:t>
             </a:fld>
             <a:endParaRPr lang="uk-UA"/>
           </a:p>
@@ -3783,7 +3964,7 @@
             <a:fld id="{E708ED03-0080-49A2-B709-7DA4ACB3A1C3}" type="datetime1">
               <a:rPr lang="uk-UA" smtClean="0"/>
               <a:pPr/>
-              <a:t>24.11.2021</a:t>
+              <a:t>01.04.2022</a:t>
             </a:fld>
             <a:endParaRPr lang="uk-UA"/>
           </a:p>
@@ -4403,453 +4584,6 @@
       </p:grpSpPr>
       <p:sp>
         <p:nvSpPr>
-          <p:cNvPr id="5" name="Прямоугольник 4"/>
-          <p:cNvSpPr/>
-          <p:nvPr/>
-        </p:nvSpPr>
-        <p:spPr>
-          <a:xfrm>
-            <a:off x="0" y="0"/>
-            <a:ext cx="12192000" cy="6858000"/>
-          </a:xfrm>
-          <a:prstGeom prst="rect">
-            <a:avLst/>
-          </a:prstGeom>
-          <a:solidFill>
-            <a:schemeClr val="tx2">
-              <a:lumMod val="75000"/>
-            </a:schemeClr>
-          </a:solidFill>
-        </p:spPr>
-        <p:style>
-          <a:lnRef idx="2">
-            <a:schemeClr val="accent1">
-              <a:shade val="50000"/>
-            </a:schemeClr>
-          </a:lnRef>
-          <a:fillRef idx="1">
-            <a:schemeClr val="accent1"/>
-          </a:fillRef>
-          <a:effectRef idx="0">
-            <a:schemeClr val="accent1"/>
-          </a:effectRef>
-          <a:fontRef idx="minor">
-            <a:schemeClr val="lt1"/>
-          </a:fontRef>
-        </p:style>
-        <p:txBody>
-          <a:bodyPr rtlCol="0" anchor="ctr"/>
-          <a:lstStyle/>
-          <a:p>
-            <a:pPr algn="ctr"/>
-            <a:r>
-              <a:rPr lang="en-US" sz="6000" b="1" dirty="0"/>
-              <a:t>5. </a:t>
-            </a:r>
-            <a:r>
-              <a:rPr lang="ru-RU" sz="6000" b="1" dirty="0"/>
-              <a:t>Немного практики + </a:t>
-            </a:r>
-            <a:r>
-              <a:rPr lang="en-US" sz="6000" b="1" dirty="0">
-                <a:solidFill>
-                  <a:srgbClr val="00B050"/>
-                </a:solidFill>
-              </a:rPr>
-              <a:t>Vue.js</a:t>
-            </a:r>
-            <a:endParaRPr lang="uk-UA" sz="6000" b="1" dirty="0">
-              <a:solidFill>
-                <a:srgbClr val="00B050"/>
-              </a:solidFill>
-            </a:endParaRPr>
-          </a:p>
-        </p:txBody>
-      </p:sp>
-    </p:spTree>
-    <p:extLst>
-      <p:ext uri="{BB962C8B-B14F-4D97-AF65-F5344CB8AC3E}">
-        <p14:creationId xmlns:p14="http://schemas.microsoft.com/office/powerpoint/2010/main" val="3655498139"/>
-      </p:ext>
-    </p:extLst>
-  </p:cSld>
-  <p:clrMapOvr>
-    <a:masterClrMapping/>
-  </p:clrMapOvr>
-</p:sld>
-</file>
-
-<file path=ppt/slides/slide11.xml><?xml version="1.0" encoding="utf-8"?>
-<p:sld xmlns:a="http://schemas.openxmlformats.org/drawingml/2006/main" xmlns:r="http://schemas.openxmlformats.org/officeDocument/2006/relationships" xmlns:p="http://schemas.openxmlformats.org/presentationml/2006/main">
-  <p:cSld>
-    <p:spTree>
-      <p:nvGrpSpPr>
-        <p:cNvPr id="1" name=""/>
-        <p:cNvGrpSpPr/>
-        <p:nvPr/>
-      </p:nvGrpSpPr>
-      <p:grpSpPr>
-        <a:xfrm>
-          <a:off x="0" y="0"/>
-          <a:ext cx="0" cy="0"/>
-          <a:chOff x="0" y="0"/>
-          <a:chExt cx="0" cy="0"/>
-        </a:xfrm>
-      </p:grpSpPr>
-      <p:sp>
-        <p:nvSpPr>
-          <p:cNvPr id="7" name="Номер слайда 36"/>
-          <p:cNvSpPr txBox="1">
-            <a:spLocks/>
-          </p:cNvSpPr>
-          <p:nvPr/>
-        </p:nvSpPr>
-        <p:spPr>
-          <a:xfrm>
-            <a:off x="11208568" y="6093296"/>
-            <a:ext cx="648072" cy="432048"/>
-          </a:xfrm>
-          <a:prstGeom prst="roundRect">
-            <a:avLst/>
-          </a:prstGeom>
-          <a:ln w="25400" cap="flat" cmpd="sng" algn="ctr">
-            <a:solidFill>
-              <a:schemeClr val="tx2">
-                <a:lumMod val="60000"/>
-                <a:lumOff val="40000"/>
-              </a:schemeClr>
-            </a:solidFill>
-            <a:prstDash val="solid"/>
-          </a:ln>
-        </p:spPr>
-        <p:style>
-          <a:lnRef idx="2">
-            <a:schemeClr val="accent1"/>
-          </a:lnRef>
-          <a:fillRef idx="1">
-            <a:schemeClr val="lt1"/>
-          </a:fillRef>
-          <a:effectRef idx="0">
-            <a:schemeClr val="accent1"/>
-          </a:effectRef>
-          <a:fontRef idx="minor">
-            <a:schemeClr val="dk1"/>
-          </a:fontRef>
-        </p:style>
-        <p:txBody>
-          <a:bodyPr vert="horz" lIns="91440" tIns="45720" rIns="91440" bIns="45720" rtlCol="0" anchor="ctr"/>
-          <a:lstStyle/>
-          <a:p>
-            <a:pPr algn="ctr">
-              <a:defRPr/>
-            </a:pPr>
-            <a:fld id="{6389AA22-90B4-448C-8B6B-C699140D38B9}" type="slidenum">
-              <a:rPr lang="uk-UA" sz="2400" b="1">
-                <a:solidFill>
-                  <a:schemeClr val="bg1">
-                    <a:lumMod val="50000"/>
-                  </a:schemeClr>
-                </a:solidFill>
-              </a:rPr>
-              <a:pPr algn="ctr">
-                <a:defRPr/>
-              </a:pPr>
-              <a:t>11</a:t>
-            </a:fld>
-            <a:endParaRPr lang="uk-UA" sz="2400" b="1" dirty="0">
-              <a:solidFill>
-                <a:schemeClr val="bg1">
-                  <a:lumMod val="50000"/>
-                </a:schemeClr>
-              </a:solidFill>
-            </a:endParaRPr>
-          </a:p>
-        </p:txBody>
-      </p:sp>
-      <p:sp>
-        <p:nvSpPr>
-          <p:cNvPr id="3" name="TextBox 2"/>
-          <p:cNvSpPr txBox="1"/>
-          <p:nvPr/>
-        </p:nvSpPr>
-        <p:spPr>
-          <a:xfrm>
-            <a:off x="0" y="560874"/>
-            <a:ext cx="12192000" cy="707886"/>
-          </a:xfrm>
-          <a:prstGeom prst="rect">
-            <a:avLst/>
-          </a:prstGeom>
-          <a:noFill/>
-        </p:spPr>
-        <p:txBody>
-          <a:bodyPr wrap="square" rtlCol="0">
-            <a:spAutoFit/>
-          </a:bodyPr>
-          <a:lstStyle/>
-          <a:p>
-            <a:pPr algn="ctr"/>
-            <a:r>
-              <a:rPr lang="ru-RU" sz="4000" b="1" dirty="0"/>
-              <a:t>Концепция </a:t>
-            </a:r>
-            <a:r>
-              <a:rPr lang="en-US" sz="4000" b="1" dirty="0">
-                <a:solidFill>
-                  <a:schemeClr val="accent6">
-                    <a:lumMod val="75000"/>
-                  </a:schemeClr>
-                </a:solidFill>
-              </a:rPr>
-              <a:t>S</a:t>
-            </a:r>
-            <a:r>
-              <a:rPr lang="en-US" sz="4000" b="1" dirty="0"/>
-              <a:t>ingle </a:t>
-            </a:r>
-            <a:r>
-              <a:rPr lang="en-US" sz="4000" b="1" dirty="0">
-                <a:solidFill>
-                  <a:schemeClr val="accent6">
-                    <a:lumMod val="75000"/>
-                  </a:schemeClr>
-                </a:solidFill>
-              </a:rPr>
-              <a:t>P</a:t>
-            </a:r>
-            <a:r>
-              <a:rPr lang="en-US" sz="4000" b="1" dirty="0"/>
-              <a:t>age </a:t>
-            </a:r>
-            <a:r>
-              <a:rPr lang="en-US" sz="4000" b="1" dirty="0">
-                <a:solidFill>
-                  <a:schemeClr val="accent6">
-                    <a:lumMod val="75000"/>
-                  </a:schemeClr>
-                </a:solidFill>
-              </a:rPr>
-              <a:t>A</a:t>
-            </a:r>
-            <a:r>
-              <a:rPr lang="en-US" sz="4000" b="1" dirty="0"/>
-              <a:t>pplication</a:t>
-            </a:r>
-          </a:p>
-        </p:txBody>
-      </p:sp>
-      <p:sp>
-        <p:nvSpPr>
-          <p:cNvPr id="9" name="Прямоугольник 8"/>
-          <p:cNvSpPr/>
-          <p:nvPr/>
-        </p:nvSpPr>
-        <p:spPr>
-          <a:xfrm>
-            <a:off x="1127448" y="5661248"/>
-            <a:ext cx="10873208" cy="461665"/>
-          </a:xfrm>
-          <a:prstGeom prst="rect">
-            <a:avLst/>
-          </a:prstGeom>
-        </p:spPr>
-        <p:txBody>
-          <a:bodyPr wrap="square">
-            <a:spAutoFit/>
-          </a:bodyPr>
-          <a:lstStyle/>
-          <a:p>
-            <a:r>
-              <a:rPr lang="ru-RU" sz="2400" dirty="0"/>
-              <a:t>Воспользуйтесь шаблоном</a:t>
-            </a:r>
-            <a:r>
-              <a:rPr lang="en-US" sz="2400" dirty="0"/>
-              <a:t> </a:t>
-            </a:r>
-            <a:r>
-              <a:rPr lang="ru-RU" sz="2400" dirty="0"/>
-              <a:t>в </a:t>
-            </a:r>
-            <a:r>
-              <a:rPr lang="ru-RU" sz="2400" dirty="0" err="1"/>
-              <a:t>репозитории</a:t>
-            </a:r>
-            <a:r>
-              <a:rPr lang="ru-RU" sz="2400" dirty="0"/>
-              <a:t> занятия </a:t>
-            </a:r>
-            <a:r>
-              <a:rPr lang="en-US" sz="2400" b="1" dirty="0">
-                <a:solidFill>
-                  <a:srgbClr val="0070C0"/>
-                </a:solidFill>
-              </a:rPr>
-              <a:t>./</a:t>
-            </a:r>
-            <a:r>
-              <a:rPr lang="en-US" sz="2400" b="1" dirty="0" err="1">
-                <a:solidFill>
-                  <a:srgbClr val="0070C0"/>
-                </a:solidFill>
-              </a:rPr>
-              <a:t>src</a:t>
-            </a:r>
-            <a:r>
-              <a:rPr lang="en-US" sz="2400" b="1" dirty="0">
-                <a:solidFill>
-                  <a:srgbClr val="0070C0"/>
-                </a:solidFill>
-              </a:rPr>
-              <a:t>/spa-example</a:t>
-            </a:r>
-            <a:r>
-              <a:rPr lang="ru-RU" sz="2400" b="1" dirty="0"/>
-              <a:t> </a:t>
-            </a:r>
-            <a:endParaRPr lang="uk-UA" sz="2400" b="1" dirty="0"/>
-          </a:p>
-        </p:txBody>
-      </p:sp>
-      <p:pic>
-        <p:nvPicPr>
-          <p:cNvPr id="4" name="Рисунок 3">
-            <a:extLst>
-              <a:ext uri="{FF2B5EF4-FFF2-40B4-BE49-F238E27FC236}">
-                <a16:creationId xmlns:a16="http://schemas.microsoft.com/office/drawing/2014/main" id="{327FC318-B04E-4A11-B86C-595C0089BF48}"/>
-              </a:ext>
-            </a:extLst>
-          </p:cNvPr>
-          <p:cNvPicPr>
-            <a:picLocks noChangeAspect="1"/>
-          </p:cNvPicPr>
-          <p:nvPr/>
-        </p:nvPicPr>
-        <p:blipFill>
-          <a:blip r:embed="rId2"/>
-          <a:stretch>
-            <a:fillRect/>
-          </a:stretch>
-        </p:blipFill>
-        <p:spPr>
-          <a:xfrm>
-            <a:off x="0" y="2295380"/>
-            <a:ext cx="12192000" cy="2267239"/>
-          </a:xfrm>
-          <a:prstGeom prst="rect">
-            <a:avLst/>
-          </a:prstGeom>
-        </p:spPr>
-      </p:pic>
-    </p:spTree>
-    <p:extLst>
-      <p:ext uri="{BB962C8B-B14F-4D97-AF65-F5344CB8AC3E}">
-        <p14:creationId xmlns:p14="http://schemas.microsoft.com/office/powerpoint/2010/main" val="2977534443"/>
-      </p:ext>
-    </p:extLst>
-  </p:cSld>
-  <p:clrMapOvr>
-    <a:masterClrMapping/>
-  </p:clrMapOvr>
-</p:sld>
-</file>
-
-<file path=ppt/slides/slide12.xml><?xml version="1.0" encoding="utf-8"?>
-<p:sld xmlns:a="http://schemas.openxmlformats.org/drawingml/2006/main" xmlns:r="http://schemas.openxmlformats.org/officeDocument/2006/relationships" xmlns:p="http://schemas.openxmlformats.org/presentationml/2006/main">
-  <p:cSld>
-    <p:spTree>
-      <p:nvGrpSpPr>
-        <p:cNvPr id="1" name=""/>
-        <p:cNvGrpSpPr/>
-        <p:nvPr/>
-      </p:nvGrpSpPr>
-      <p:grpSpPr>
-        <a:xfrm>
-          <a:off x="0" y="0"/>
-          <a:ext cx="0" cy="0"/>
-          <a:chOff x="0" y="0"/>
-          <a:chExt cx="0" cy="0"/>
-        </a:xfrm>
-      </p:grpSpPr>
-      <p:sp>
-        <p:nvSpPr>
-          <p:cNvPr id="5" name="Прямоугольник 4"/>
-          <p:cNvSpPr/>
-          <p:nvPr/>
-        </p:nvSpPr>
-        <p:spPr>
-          <a:xfrm>
-            <a:off x="0" y="0"/>
-            <a:ext cx="12192000" cy="6858000"/>
-          </a:xfrm>
-          <a:prstGeom prst="rect">
-            <a:avLst/>
-          </a:prstGeom>
-          <a:solidFill>
-            <a:srgbClr val="002060"/>
-          </a:solidFill>
-        </p:spPr>
-        <p:style>
-          <a:lnRef idx="2">
-            <a:schemeClr val="accent1">
-              <a:shade val="50000"/>
-            </a:schemeClr>
-          </a:lnRef>
-          <a:fillRef idx="1">
-            <a:schemeClr val="accent1"/>
-          </a:fillRef>
-          <a:effectRef idx="0">
-            <a:schemeClr val="accent1"/>
-          </a:effectRef>
-          <a:fontRef idx="minor">
-            <a:schemeClr val="lt1"/>
-          </a:fontRef>
-        </p:style>
-        <p:txBody>
-          <a:bodyPr rtlCol="0" anchor="ctr"/>
-          <a:lstStyle/>
-          <a:p>
-            <a:pPr algn="ctr"/>
-            <a:r>
-              <a:rPr lang="ru-RU" sz="6000" b="1" dirty="0"/>
-              <a:t>Будет полезным</a:t>
-            </a:r>
-            <a:endParaRPr lang="uk-UA" sz="6000" b="1" dirty="0"/>
-          </a:p>
-        </p:txBody>
-      </p:sp>
-    </p:spTree>
-    <p:extLst>
-      <p:ext uri="{BB962C8B-B14F-4D97-AF65-F5344CB8AC3E}">
-        <p14:creationId xmlns:p14="http://schemas.microsoft.com/office/powerpoint/2010/main" val="433616710"/>
-      </p:ext>
-    </p:extLst>
-  </p:cSld>
-  <p:clrMapOvr>
-    <a:masterClrMapping/>
-  </p:clrMapOvr>
-</p:sld>
-</file>
-
-<file path=ppt/slides/slide13.xml><?xml version="1.0" encoding="utf-8"?>
-<p:sld xmlns:a="http://schemas.openxmlformats.org/drawingml/2006/main" xmlns:r="http://schemas.openxmlformats.org/officeDocument/2006/relationships" xmlns:p="http://schemas.openxmlformats.org/presentationml/2006/main">
-  <p:cSld>
-    <p:spTree>
-      <p:nvGrpSpPr>
-        <p:cNvPr id="1" name=""/>
-        <p:cNvGrpSpPr/>
-        <p:nvPr/>
-      </p:nvGrpSpPr>
-      <p:grpSpPr>
-        <a:xfrm>
-          <a:off x="0" y="0"/>
-          <a:ext cx="0" cy="0"/>
-          <a:chOff x="0" y="0"/>
-          <a:chExt cx="0" cy="0"/>
-        </a:xfrm>
-      </p:grpSpPr>
-      <p:sp>
-        <p:nvSpPr>
           <p:cNvPr id="3" name="TextBox 2"/>
           <p:cNvSpPr txBox="1"/>
           <p:nvPr/>
@@ -4968,7 +4702,7 @@
 </p:sld>
 </file>
 
-<file path=ppt/slides/slide14.xml><?xml version="1.0" encoding="utf-8"?>
+<file path=ppt/slides/slide11.xml><?xml version="1.0" encoding="utf-8"?>
 <p:sld xmlns:a="http://schemas.openxmlformats.org/drawingml/2006/main" xmlns:r="http://schemas.openxmlformats.org/officeDocument/2006/relationships" xmlns:p="http://schemas.openxmlformats.org/presentationml/2006/main">
   <p:cSld>
     <p:spTree>
@@ -5045,7 +4779,7 @@
 </p:sld>
 </file>
 
-<file path=ppt/slides/slide15.xml><?xml version="1.0" encoding="utf-8"?>
+<file path=ppt/slides/slide12.xml><?xml version="1.0" encoding="utf-8"?>
 <p:sld xmlns:a="http://schemas.openxmlformats.org/drawingml/2006/main" xmlns:r="http://schemas.openxmlformats.org/officeDocument/2006/relationships" xmlns:p="http://schemas.openxmlformats.org/presentationml/2006/main">
   <p:cSld>
     <p:spTree>
@@ -5167,7 +4901,7 @@
 </p:sld>
 </file>
 
-<file path=ppt/slides/slide16.xml><?xml version="1.0" encoding="utf-8"?>
+<file path=ppt/slides/slide13.xml><?xml version="1.0" encoding="utf-8"?>
 <p:sld xmlns:a="http://schemas.openxmlformats.org/drawingml/2006/main" xmlns:r="http://schemas.openxmlformats.org/officeDocument/2006/relationships" xmlns:p="http://schemas.openxmlformats.org/presentationml/2006/main">
   <p:cSld>
     <p:spTree>
@@ -5255,7 +4989,7 @@
 </p:sld>
 </file>
 
-<file path=ppt/slides/slide17.xml><?xml version="1.0" encoding="utf-8"?>
+<file path=ppt/slides/slide14.xml><?xml version="1.0" encoding="utf-8"?>
 <p:sld xmlns:a="http://schemas.openxmlformats.org/drawingml/2006/main" xmlns:r="http://schemas.openxmlformats.org/officeDocument/2006/relationships" xmlns:p="http://schemas.openxmlformats.org/presentationml/2006/main">
   <p:cSld>
     <p:spTree>
@@ -5330,7 +5064,7 @@
               <a:pPr algn="ctr">
                 <a:defRPr/>
               </a:pPr>
-              <a:t>17</a:t>
+              <a:t>14</a:t>
             </a:fld>
             <a:endParaRPr lang="uk-UA" sz="2400" b="1" dirty="0">
               <a:solidFill>
@@ -5370,12 +5104,16 @@
               <a:t>Домашнее задание </a:t>
             </a:r>
             <a:r>
-              <a:rPr lang="en-US" sz="3600" b="1" dirty="0"/>
-              <a:t>#N.1</a:t>
+              <a:rPr lang="en-US" sz="3600" b="1" dirty="0">
+                <a:solidFill>
+                  <a:srgbClr val="00B050"/>
+                </a:solidFill>
+              </a:rPr>
+              <a:t>#H.1</a:t>
             </a:r>
             <a:endParaRPr lang="uk-UA" sz="3600" b="1" dirty="0">
               <a:solidFill>
-                <a:srgbClr val="0070C0"/>
+                <a:srgbClr val="00B050"/>
               </a:solidFill>
             </a:endParaRPr>
           </a:p>
@@ -5942,21 +5680,19 @@
         </p:blipFill>
         <p:spPr bwMode="auto">
           <a:xfrm>
-            <a:off x="551384" y="1340768"/>
-            <a:ext cx="6552728" cy="4368485"/>
+            <a:off x="551384" y="1586678"/>
+            <a:ext cx="6299606" cy="4199737"/>
           </a:xfrm>
           <a:prstGeom prst="rect">
             <a:avLst/>
           </a:prstGeom>
-          <a:ln w="19050">
-            <a:solidFill>
-              <a:srgbClr val="92D050"/>
-            </a:solidFill>
+          <a:ln>
+            <a:noFill/>
           </a:ln>
           <a:effectLst>
-            <a:outerShdw blurRad="292100" dist="139700" dir="2700000" algn="tl" rotWithShape="0">
-              <a:srgbClr val="333333">
-                <a:alpha val="65000"/>
+            <a:outerShdw blurRad="190500" algn="tl" rotWithShape="0">
+              <a:srgbClr val="000000">
+                <a:alpha val="70000"/>
               </a:srgbClr>
             </a:outerShdw>
           </a:effectLst>
@@ -5970,8 +5706,8 @@
         </p:nvSpPr>
         <p:spPr>
           <a:xfrm>
-            <a:off x="7536160" y="2186182"/>
-            <a:ext cx="4320480" cy="2677656"/>
+            <a:off x="7248128" y="1916832"/>
+            <a:ext cx="4464496" cy="3539430"/>
           </a:xfrm>
           <a:prstGeom prst="rect">
             <a:avLst/>
@@ -5984,43 +5720,113 @@
           <a:lstStyle/>
           <a:p>
             <a:r>
-              <a:rPr lang="ru-RU" sz="2400" b="1" dirty="0"/>
+              <a:rPr lang="ru-RU" sz="2800" b="1" dirty="0"/>
               <a:t>SPA</a:t>
             </a:r>
             <a:r>
-              <a:rPr lang="ru-RU" sz="2400" dirty="0"/>
+              <a:rPr lang="ru-RU" sz="2800" dirty="0"/>
               <a:t> – это </a:t>
             </a:r>
             <a:r>
-              <a:rPr lang="ru-RU" sz="2400" b="1" dirty="0"/>
+              <a:rPr lang="ru-RU" sz="2800" b="1" dirty="0"/>
               <a:t>веб-приложение</a:t>
             </a:r>
             <a:r>
-              <a:rPr lang="ru-RU" sz="2400" dirty="0"/>
+              <a:rPr lang="ru-RU" sz="2800" dirty="0"/>
               <a:t>, размещенное на одной странице, которая для обеспечения работы загружает все данные вместе с загрузкой самой страницы (</a:t>
             </a:r>
             <a:r>
-              <a:rPr lang="ru-RU" sz="2400" i="1" dirty="0"/>
+              <a:rPr lang="ru-RU" sz="2800" i="1" dirty="0"/>
               <a:t>или по ходу работы</a:t>
             </a:r>
             <a:r>
-              <a:rPr lang="en-US" sz="2400" i="1" dirty="0"/>
+              <a:rPr lang="en-US" sz="2800" i="1" dirty="0"/>
               <a:t> -</a:t>
             </a:r>
             <a:r>
-              <a:rPr lang="ru-RU" sz="2400" i="1" dirty="0"/>
+              <a:rPr lang="ru-RU" sz="2800" i="1" dirty="0"/>
               <a:t> </a:t>
             </a:r>
             <a:r>
-              <a:rPr lang="en-US" sz="2400" i="1" dirty="0"/>
+              <a:rPr lang="en-US" sz="2800" i="1" dirty="0"/>
               <a:t>AJAX-</a:t>
             </a:r>
             <a:r>
-              <a:rPr lang="ru-RU" sz="2400" i="1" dirty="0" err="1"/>
+              <a:rPr lang="ru-RU" sz="2800" i="1" dirty="0" err="1"/>
               <a:t>ом</a:t>
             </a:r>
             <a:r>
-              <a:rPr lang="ru-RU" sz="2400" dirty="0"/>
+              <a:rPr lang="ru-RU" sz="2800" dirty="0"/>
+              <a:t>).</a:t>
+            </a:r>
+          </a:p>
+        </p:txBody>
+      </p:sp>
+      <p:sp>
+        <p:nvSpPr>
+          <p:cNvPr id="7" name="Прямоугольник 12">
+            <a:extLst>
+              <a:ext uri="{FF2B5EF4-FFF2-40B4-BE49-F238E27FC236}">
+                <a16:creationId xmlns:a16="http://schemas.microsoft.com/office/drawing/2014/main" id="{B0BB784C-931F-4524-9FD5-C539F7ED60F6}"/>
+              </a:ext>
+            </a:extLst>
+          </p:cNvPr>
+          <p:cNvSpPr/>
+          <p:nvPr/>
+        </p:nvSpPr>
+        <p:spPr>
+          <a:xfrm>
+            <a:off x="7248128" y="1916831"/>
+            <a:ext cx="4464496" cy="3539430"/>
+          </a:xfrm>
+          <a:prstGeom prst="rect">
+            <a:avLst/>
+          </a:prstGeom>
+        </p:spPr>
+        <p:txBody>
+          <a:bodyPr wrap="square">
+            <a:spAutoFit/>
+          </a:bodyPr>
+          <a:lstStyle/>
+          <a:p>
+            <a:r>
+              <a:rPr lang="ru-RU" sz="2800" b="1" dirty="0"/>
+              <a:t>SPA</a:t>
+            </a:r>
+            <a:r>
+              <a:rPr lang="ru-RU" sz="2800" dirty="0"/>
+              <a:t> – это </a:t>
+            </a:r>
+            <a:r>
+              <a:rPr lang="ru-RU" sz="2800" b="1" dirty="0"/>
+              <a:t>веб-приложение</a:t>
+            </a:r>
+            <a:r>
+              <a:rPr lang="ru-RU" sz="2800" dirty="0"/>
+              <a:t>, размещенное на одной странице, которая для обеспечения работы загружает все данные вместе с загрузкой самой страницы (</a:t>
+            </a:r>
+            <a:r>
+              <a:rPr lang="ru-RU" sz="2800" i="1" dirty="0"/>
+              <a:t>или по ходу работы</a:t>
+            </a:r>
+            <a:r>
+              <a:rPr lang="en-US" sz="2800" i="1" dirty="0"/>
+              <a:t> -</a:t>
+            </a:r>
+            <a:r>
+              <a:rPr lang="ru-RU" sz="2800" i="1" dirty="0"/>
+              <a:t> </a:t>
+            </a:r>
+            <a:r>
+              <a:rPr lang="en-US" sz="2800" i="1" dirty="0"/>
+              <a:t>AJAX-</a:t>
+            </a:r>
+            <a:r>
+              <a:rPr lang="ru-RU" sz="2800" i="1" dirty="0" err="1"/>
+              <a:t>ом</a:t>
+            </a:r>
+            <a:r>
+              <a:rPr lang="ru-RU" sz="2800" dirty="0"/>
               <a:t>).</a:t>
             </a:r>
           </a:p>
@@ -6250,29 +6056,6 @@
           </a:p>
         </p:txBody>
       </p:sp>
-      <p:pic>
-        <p:nvPicPr>
-          <p:cNvPr id="5" name="Рисунок 4"/>
-          <p:cNvPicPr>
-            <a:picLocks noChangeAspect="1"/>
-          </p:cNvPicPr>
-          <p:nvPr/>
-        </p:nvPicPr>
-        <p:blipFill rotWithShape="1">
-          <a:blip r:embed="rId2"/>
-          <a:srcRect t="4725" b="5476"/>
-          <a:stretch/>
-        </p:blipFill>
-        <p:spPr>
-          <a:xfrm>
-            <a:off x="2927648" y="1412776"/>
-            <a:ext cx="6047284" cy="4104456"/>
-          </a:xfrm>
-          <a:prstGeom prst="rect">
-            <a:avLst/>
-          </a:prstGeom>
-        </p:spPr>
-      </p:pic>
       <p:sp>
         <p:nvSpPr>
           <p:cNvPr id="6" name="Прямоугольник 5"/>
@@ -6297,14 +6080,44 @@
             <a:pPr algn="ctr"/>
             <a:r>
               <a:rPr lang="en-US" sz="3600" b="1" dirty="0">
-                <a:hlinkClick r:id="rId3"/>
+                <a:hlinkClick r:id="rId2"/>
               </a:rPr>
-              <a:t>https://v3.ru.vuejs.org/ru/</a:t>
+              <a:t>https://v3.ru.vuejs.org/</a:t>
             </a:r>
             <a:endParaRPr lang="ru-RU" sz="3600" b="1" dirty="0"/>
           </a:p>
         </p:txBody>
       </p:sp>
+      <p:pic>
+        <p:nvPicPr>
+          <p:cNvPr id="4" name="Рисунок 3">
+            <a:extLst>
+              <a:ext uri="{FF2B5EF4-FFF2-40B4-BE49-F238E27FC236}">
+                <a16:creationId xmlns:a16="http://schemas.microsoft.com/office/drawing/2014/main" id="{1B47DFDF-DE70-4DCC-897F-D9AB9D83E5A9}"/>
+              </a:ext>
+            </a:extLst>
+          </p:cNvPr>
+          <p:cNvPicPr>
+            <a:picLocks noChangeAspect="1"/>
+          </p:cNvPicPr>
+          <p:nvPr/>
+        </p:nvPicPr>
+        <p:blipFill>
+          <a:blip r:embed="rId3"/>
+          <a:stretch>
+            <a:fillRect/>
+          </a:stretch>
+        </p:blipFill>
+        <p:spPr>
+          <a:xfrm>
+            <a:off x="839416" y="1238160"/>
+            <a:ext cx="10200456" cy="4342974"/>
+          </a:xfrm>
+          <a:prstGeom prst="rect">
+            <a:avLst/>
+          </a:prstGeom>
+        </p:spPr>
+      </p:pic>
     </p:spTree>
     <p:extLst>
       <p:ext uri="{BB962C8B-B14F-4D97-AF65-F5344CB8AC3E}">
@@ -6337,116 +6150,15 @@
       </p:grpSpPr>
       <p:sp>
         <p:nvSpPr>
-          <p:cNvPr id="5" name="Прямоугольник 4"/>
-          <p:cNvSpPr/>
+          <p:cNvPr id="7" name="Номер слайда 36"/>
+          <p:cNvSpPr txBox="1">
+            <a:spLocks/>
+          </p:cNvSpPr>
           <p:nvPr/>
         </p:nvSpPr>
         <p:spPr>
           <a:xfrm>
-            <a:off x="0" y="0"/>
-            <a:ext cx="12192000" cy="6858000"/>
-          </a:xfrm>
-          <a:prstGeom prst="rect">
-            <a:avLst/>
-          </a:prstGeom>
-          <a:solidFill>
-            <a:srgbClr val="002060"/>
-          </a:solidFill>
-        </p:spPr>
-        <p:style>
-          <a:lnRef idx="2">
-            <a:schemeClr val="accent1">
-              <a:shade val="50000"/>
-            </a:schemeClr>
-          </a:lnRef>
-          <a:fillRef idx="1">
-            <a:schemeClr val="accent1"/>
-          </a:fillRef>
-          <a:effectRef idx="0">
-            <a:schemeClr val="accent1"/>
-          </a:effectRef>
-          <a:fontRef idx="minor">
-            <a:schemeClr val="lt1"/>
-          </a:fontRef>
-        </p:style>
-        <p:txBody>
-          <a:bodyPr rtlCol="0" anchor="ctr"/>
-          <a:lstStyle/>
-          <a:p>
-            <a:pPr algn="ctr"/>
-            <a:r>
-              <a:rPr lang="ru-RU" sz="7200" b="1" dirty="0"/>
-              <a:t>3</a:t>
-            </a:r>
-            <a:r>
-              <a:rPr lang="en-US" sz="7200" b="1" dirty="0"/>
-              <a:t>.</a:t>
-            </a:r>
-            <a:r>
-              <a:rPr lang="ru-RU" sz="7200" b="1" dirty="0"/>
-              <a:t> Файл</a:t>
-            </a:r>
-            <a:r>
-              <a:rPr lang="en-US" sz="7200" b="1" dirty="0"/>
-              <a:t> </a:t>
-            </a:r>
-            <a:r>
-              <a:rPr lang="en-US" sz="7200" b="1" dirty="0" err="1">
-                <a:solidFill>
-                  <a:srgbClr val="FFFF00"/>
-                </a:solidFill>
-              </a:rPr>
-              <a:t>package.json</a:t>
-            </a:r>
-            <a:endParaRPr lang="uk-UA" sz="7200" b="1" dirty="0">
-              <a:solidFill>
-                <a:srgbClr val="FFFF00"/>
-              </a:solidFill>
-            </a:endParaRPr>
-          </a:p>
-        </p:txBody>
-      </p:sp>
-    </p:spTree>
-    <p:extLst>
-      <p:ext uri="{BB962C8B-B14F-4D97-AF65-F5344CB8AC3E}">
-        <p14:creationId xmlns:p14="http://schemas.microsoft.com/office/powerpoint/2010/main" val="698367479"/>
-      </p:ext>
-    </p:extLst>
-  </p:cSld>
-  <p:clrMapOvr>
-    <a:masterClrMapping/>
-  </p:clrMapOvr>
-</p:sld>
-</file>
-
-<file path=ppt/slides/slide7.xml><?xml version="1.0" encoding="utf-8"?>
-<p:sld xmlns:a="http://schemas.openxmlformats.org/drawingml/2006/main" xmlns:r="http://schemas.openxmlformats.org/officeDocument/2006/relationships" xmlns:p="http://schemas.openxmlformats.org/presentationml/2006/main">
-  <p:cSld>
-    <p:spTree>
-      <p:nvGrpSpPr>
-        <p:cNvPr id="1" name=""/>
-        <p:cNvGrpSpPr/>
-        <p:nvPr/>
-      </p:nvGrpSpPr>
-      <p:grpSpPr>
-        <a:xfrm>
-          <a:off x="0" y="0"/>
-          <a:ext cx="0" cy="0"/>
-          <a:chOff x="0" y="0"/>
-          <a:chExt cx="0" cy="0"/>
-        </a:xfrm>
-      </p:grpSpPr>
-      <p:sp>
-        <p:nvSpPr>
-          <p:cNvPr id="6" name="Номер слайда 36"/>
-          <p:cNvSpPr txBox="1">
-            <a:spLocks/>
-          </p:cNvSpPr>
-          <p:nvPr/>
-        </p:nvSpPr>
-        <p:spPr>
-          <a:xfrm>
-            <a:off x="11174762" y="6165304"/>
+            <a:off x="10992544" y="6037500"/>
             <a:ext cx="648072" cy="432048"/>
           </a:xfrm>
           <a:prstGeom prst="roundRect">
@@ -6494,7 +6206,7 @@
               <a:pPr algn="ctr">
                 <a:defRPr/>
               </a:pPr>
-              <a:t>7</a:t>
+              <a:t>6</a:t>
             </a:fld>
             <a:endParaRPr lang="uk-UA" sz="2400" b="1" dirty="0">
               <a:solidFill>
@@ -6508,14 +6220,14 @@
       </p:sp>
       <p:sp>
         <p:nvSpPr>
-          <p:cNvPr id="14" name="TextBox 13"/>
+          <p:cNvPr id="3" name="TextBox 2"/>
           <p:cNvSpPr txBox="1"/>
           <p:nvPr/>
         </p:nvSpPr>
         <p:spPr>
           <a:xfrm>
-            <a:off x="0" y="260648"/>
-            <a:ext cx="12192000" cy="923330"/>
+            <a:off x="0" y="776898"/>
+            <a:ext cx="12192000" cy="1015663"/>
           </a:xfrm>
           <a:prstGeom prst="rect">
             <a:avLst/>
@@ -6530,35 +6242,81 @@
           <a:p>
             <a:pPr algn="ctr"/>
             <a:r>
-              <a:rPr lang="ru-RU" sz="5400" b="1" dirty="0"/>
-              <a:t>Файл </a:t>
-            </a:r>
-            <a:r>
-              <a:rPr lang="en-US" sz="5400" b="1" dirty="0" err="1">
-                <a:solidFill>
-                  <a:srgbClr val="0070C0"/>
-                </a:solidFill>
-              </a:rPr>
-              <a:t>package.json</a:t>
-            </a:r>
-            <a:endParaRPr lang="ru-RU" sz="5400" b="1" dirty="0">
-              <a:solidFill>
-                <a:srgbClr val="0070C0"/>
-              </a:solidFill>
-            </a:endParaRPr>
-          </a:p>
-        </p:txBody>
-      </p:sp>
-      <p:sp>
-        <p:nvSpPr>
-          <p:cNvPr id="10" name="TextBox 9"/>
+              <a:rPr lang="en-US" sz="6000" b="1" dirty="0"/>
+              <a:t>Vue.js</a:t>
+            </a:r>
+            <a:r>
+              <a:rPr lang="ru-RU" sz="6000" b="1" dirty="0"/>
+              <a:t> – подключаем </a:t>
+            </a:r>
+            <a:r>
+              <a:rPr lang="en-US" sz="6000" b="1" dirty="0"/>
+              <a:t>CDN</a:t>
+            </a:r>
+            <a:endParaRPr lang="ru-RU" sz="6000" b="1" dirty="0"/>
+          </a:p>
+        </p:txBody>
+      </p:sp>
+      <p:sp>
+        <p:nvSpPr>
+          <p:cNvPr id="8" name="TextBox 7">
+            <a:extLst>
+              <a:ext uri="{FF2B5EF4-FFF2-40B4-BE49-F238E27FC236}">
+                <a16:creationId xmlns:a16="http://schemas.microsoft.com/office/drawing/2014/main" id="{D7F0917B-E558-468B-A3CE-BD6F3CDB72E7}"/>
+              </a:ext>
+            </a:extLst>
+          </p:cNvPr>
           <p:cNvSpPr txBox="1"/>
           <p:nvPr/>
         </p:nvSpPr>
         <p:spPr>
           <a:xfrm>
-            <a:off x="911424" y="1532320"/>
-            <a:ext cx="10441160" cy="1200329"/>
+            <a:off x="0" y="3140968"/>
+            <a:ext cx="12192000" cy="584775"/>
+          </a:xfrm>
+          <a:prstGeom prst="rect">
+            <a:avLst/>
+          </a:prstGeom>
+          <a:solidFill>
+            <a:schemeClr val="accent3">
+              <a:lumMod val="40000"/>
+              <a:lumOff val="60000"/>
+            </a:schemeClr>
+          </a:solidFill>
+        </p:spPr>
+        <p:txBody>
+          <a:bodyPr wrap="square">
+            <a:spAutoFit/>
+          </a:bodyPr>
+          <a:lstStyle/>
+          <a:p>
+            <a:pPr algn="ctr"/>
+            <a:r>
+              <a:rPr lang="uk-UA" sz="3200" b="1" dirty="0">
+                <a:latin typeface="Courier New" panose="02070309020205020404" pitchFamily="49" charset="0"/>
+                <a:cs typeface="Courier New" panose="02070309020205020404" pitchFamily="49" charset="0"/>
+              </a:rPr>
+              <a:t>https://unpkg.com/vue@3/dist/vue.esm-browser.js</a:t>
+            </a:r>
+          </a:p>
+        </p:txBody>
+      </p:sp>
+      <p:sp>
+        <p:nvSpPr>
+          <p:cNvPr id="9" name="TextBox 8">
+            <a:extLst>
+              <a:ext uri="{FF2B5EF4-FFF2-40B4-BE49-F238E27FC236}">
+                <a16:creationId xmlns:a16="http://schemas.microsoft.com/office/drawing/2014/main" id="{7997FD09-DE63-40F3-8B39-263C54BEDE04}"/>
+              </a:ext>
+            </a:extLst>
+          </p:cNvPr>
+          <p:cNvSpPr txBox="1"/>
+          <p:nvPr/>
+        </p:nvSpPr>
+        <p:spPr>
+          <a:xfrm>
+            <a:off x="839416" y="4797152"/>
+            <a:ext cx="10801200" cy="954107"/>
           </a:xfrm>
           <a:prstGeom prst="rect">
             <a:avLst/>
@@ -6571,160 +6329,145 @@
           </a:bodyPr>
           <a:lstStyle/>
           <a:p>
-            <a:r>
-              <a:rPr lang="ru-RU" sz="3600" dirty="0"/>
-              <a:t>Файл </a:t>
-            </a:r>
-            <a:r>
-              <a:rPr lang="en-US" sz="3600" b="1" dirty="0" err="1"/>
-              <a:t>package.json</a:t>
-            </a:r>
-            <a:r>
-              <a:rPr lang="en-US" sz="3600" dirty="0"/>
-              <a:t> – </a:t>
-            </a:r>
-            <a:r>
-              <a:rPr lang="ru-RU" sz="3600" dirty="0"/>
-              <a:t>хранит информацию о приложении, в частности о </a:t>
-            </a:r>
-            <a:r>
-              <a:rPr lang="ru-RU" sz="3600" b="1" dirty="0"/>
-              <a:t>необходимых пакетах</a:t>
-            </a:r>
-            <a:r>
-              <a:rPr lang="ru-RU" sz="3600" dirty="0"/>
-              <a:t>. </a:t>
-            </a:r>
-          </a:p>
-        </p:txBody>
-      </p:sp>
-      <p:sp>
-        <p:nvSpPr>
-          <p:cNvPr id="11" name="TextBox 10"/>
-          <p:cNvSpPr txBox="1"/>
+            <a:pPr algn="ctr"/>
+            <a:r>
+              <a:rPr lang="ru-RU" sz="2800" i="1" dirty="0"/>
+              <a:t>Используйте для импорта элементов фреймворка </a:t>
+            </a:r>
+            <a:br>
+              <a:rPr lang="ru-RU" sz="2800" i="1" dirty="0"/>
+            </a:br>
+            <a:r>
+              <a:rPr lang="ru-RU" sz="2800" i="1" dirty="0"/>
+              <a:t>(ссылка на</a:t>
+            </a:r>
+            <a:r>
+              <a:rPr lang="en-US" sz="2800" i="1" dirty="0"/>
+              <a:t> </a:t>
+            </a:r>
+            <a:r>
+              <a:rPr lang="ru-RU" sz="2800" i="1" dirty="0"/>
+              <a:t>версию </a:t>
+            </a:r>
+            <a:r>
+              <a:rPr lang="en-US" sz="2800" b="1" i="1" dirty="0"/>
+              <a:t>ECMAScript</a:t>
+            </a:r>
+            <a:r>
+              <a:rPr lang="ru-RU" sz="2800" b="1" i="1" dirty="0"/>
+              <a:t> </a:t>
+            </a:r>
+            <a:r>
+              <a:rPr lang="en-US" sz="2800" b="1" i="1" dirty="0"/>
+              <a:t>Module</a:t>
+            </a:r>
+            <a:r>
+              <a:rPr lang="ru-RU" sz="2800" b="1" i="1" dirty="0"/>
+              <a:t> </a:t>
+            </a:r>
+            <a:r>
+              <a:rPr lang="ru-RU" sz="2800" i="1" dirty="0"/>
+              <a:t>версию библиотеки)</a:t>
+            </a:r>
+            <a:endParaRPr lang="uk-UA" sz="2800" i="1" dirty="0"/>
+          </a:p>
+        </p:txBody>
+      </p:sp>
+    </p:spTree>
+    <p:extLst>
+      <p:ext uri="{BB962C8B-B14F-4D97-AF65-F5344CB8AC3E}">
+        <p14:creationId xmlns:p14="http://schemas.microsoft.com/office/powerpoint/2010/main" val="3534537529"/>
+      </p:ext>
+    </p:extLst>
+  </p:cSld>
+  <p:clrMapOvr>
+    <a:masterClrMapping/>
+  </p:clrMapOvr>
+</p:sld>
+</file>
+
+<file path=ppt/slides/slide7.xml><?xml version="1.0" encoding="utf-8"?>
+<p:sld xmlns:a="http://schemas.openxmlformats.org/drawingml/2006/main" xmlns:r="http://schemas.openxmlformats.org/officeDocument/2006/relationships" xmlns:p="http://schemas.openxmlformats.org/presentationml/2006/main">
+  <p:cSld>
+    <p:spTree>
+      <p:nvGrpSpPr>
+        <p:cNvPr id="1" name=""/>
+        <p:cNvGrpSpPr/>
+        <p:nvPr/>
+      </p:nvGrpSpPr>
+      <p:grpSpPr>
+        <a:xfrm>
+          <a:off x="0" y="0"/>
+          <a:ext cx="0" cy="0"/>
+          <a:chOff x="0" y="0"/>
+          <a:chExt cx="0" cy="0"/>
+        </a:xfrm>
+      </p:grpSpPr>
+      <p:sp>
+        <p:nvSpPr>
+          <p:cNvPr id="5" name="Прямоугольник 4"/>
+          <p:cNvSpPr/>
           <p:nvPr/>
         </p:nvSpPr>
         <p:spPr>
           <a:xfrm>
-            <a:off x="911424" y="3740631"/>
-            <a:ext cx="3905236" cy="769441"/>
+            <a:off x="0" y="0"/>
+            <a:ext cx="12192000" cy="6858000"/>
           </a:xfrm>
           <a:prstGeom prst="rect">
             <a:avLst/>
           </a:prstGeom>
           <a:solidFill>
             <a:schemeClr val="tx2">
-              <a:lumMod val="20000"/>
-              <a:lumOff val="80000"/>
+              <a:lumMod val="75000"/>
             </a:schemeClr>
           </a:solidFill>
-          <a:ln>
-            <a:solidFill>
-              <a:schemeClr val="bg1">
-                <a:lumMod val="65000"/>
-              </a:schemeClr>
-            </a:solidFill>
-          </a:ln>
         </p:spPr>
-        <p:txBody>
-          <a:bodyPr wrap="none" rtlCol="0">
-            <a:spAutoFit/>
-          </a:bodyPr>
+        <p:style>
+          <a:lnRef idx="2">
+            <a:schemeClr val="accent1">
+              <a:shade val="50000"/>
+            </a:schemeClr>
+          </a:lnRef>
+          <a:fillRef idx="1">
+            <a:schemeClr val="accent1"/>
+          </a:fillRef>
+          <a:effectRef idx="0">
+            <a:schemeClr val="accent1"/>
+          </a:effectRef>
+          <a:fontRef idx="minor">
+            <a:schemeClr val="lt1"/>
+          </a:fontRef>
+        </p:style>
+        <p:txBody>
+          <a:bodyPr rtlCol="0" anchor="ctr"/>
           <a:lstStyle/>
           <a:p>
             <a:pPr algn="ctr"/>
             <a:r>
-              <a:rPr lang="en-US" sz="4400" b="1" dirty="0" err="1">
-                <a:latin typeface="Courier New" panose="02070309020205020404" pitchFamily="49" charset="0"/>
-                <a:cs typeface="Courier New" panose="02070309020205020404" pitchFamily="49" charset="0"/>
+              <a:rPr lang="ru-RU" sz="6000" b="1" dirty="0"/>
+              <a:t>Немного практики + </a:t>
+            </a:r>
+            <a:r>
+              <a:rPr lang="en-US" sz="6000" b="1" dirty="0">
+                <a:solidFill>
+                  <a:srgbClr val="00B050"/>
+                </a:solidFill>
               </a:rPr>
-              <a:t>npm</a:t>
-            </a:r>
-            <a:r>
-              <a:rPr lang="en-US" sz="4400" b="1" dirty="0">
-                <a:latin typeface="Courier New" panose="02070309020205020404" pitchFamily="49" charset="0"/>
-                <a:cs typeface="Courier New" panose="02070309020205020404" pitchFamily="49" charset="0"/>
-              </a:rPr>
-              <a:t> install</a:t>
-            </a:r>
-            <a:endParaRPr lang="uk-UA" sz="4400" b="1" dirty="0">
+              <a:t>Vue.js</a:t>
+            </a:r>
+            <a:endParaRPr lang="uk-UA" sz="6000" b="1" dirty="0">
               <a:solidFill>
                 <a:srgbClr val="00B050"/>
               </a:solidFill>
-              <a:latin typeface="Courier New" panose="02070309020205020404" pitchFamily="49" charset="0"/>
-              <a:cs typeface="Courier New" panose="02070309020205020404" pitchFamily="49" charset="0"/>
             </a:endParaRPr>
-          </a:p>
-        </p:txBody>
-      </p:sp>
-      <p:sp>
-        <p:nvSpPr>
-          <p:cNvPr id="12" name="TextBox 11"/>
-          <p:cNvSpPr txBox="1"/>
-          <p:nvPr/>
-        </p:nvSpPr>
-        <p:spPr>
-          <a:xfrm>
-            <a:off x="5896372" y="2852936"/>
-            <a:ext cx="5472608" cy="2862322"/>
-          </a:xfrm>
-          <a:prstGeom prst="rect">
-            <a:avLst/>
-          </a:prstGeom>
-          <a:noFill/>
-        </p:spPr>
-        <p:txBody>
-          <a:bodyPr wrap="square" rtlCol="0">
-            <a:spAutoFit/>
-          </a:bodyPr>
-          <a:lstStyle/>
-          <a:p>
-            <a:r>
-              <a:rPr lang="ru-RU" sz="3600" dirty="0"/>
-              <a:t>Использование команды </a:t>
-            </a:r>
-            <a:r>
-              <a:rPr lang="en-US" sz="3600" b="1" dirty="0" err="1">
-                <a:latin typeface="Courier New" panose="02070309020205020404" pitchFamily="49" charset="0"/>
-                <a:cs typeface="Courier New" panose="02070309020205020404" pitchFamily="49" charset="0"/>
-              </a:rPr>
-              <a:t>npm</a:t>
-            </a:r>
-            <a:r>
-              <a:rPr lang="en-US" sz="3600" b="1" dirty="0">
-                <a:latin typeface="Courier New" panose="02070309020205020404" pitchFamily="49" charset="0"/>
-                <a:cs typeface="Courier New" panose="02070309020205020404" pitchFamily="49" charset="0"/>
-              </a:rPr>
-              <a:t> install </a:t>
-            </a:r>
-            <a:r>
-              <a:rPr lang="ru-RU" sz="3600" dirty="0"/>
-              <a:t>позволяет установить все пакеты из </a:t>
-            </a:r>
-            <a:r>
-              <a:rPr lang="en-US" sz="3600" b="1" dirty="0" err="1"/>
-              <a:t>package.json</a:t>
-            </a:r>
-            <a:r>
-              <a:rPr lang="en-US" sz="3600" dirty="0"/>
-              <a:t>, </a:t>
-            </a:r>
-            <a:r>
-              <a:rPr lang="ru-RU" sz="3600" dirty="0"/>
-              <a:t>если они еще не установлены</a:t>
-            </a:r>
-            <a:r>
-              <a:rPr lang="en-US" sz="3600" dirty="0"/>
-              <a:t>.</a:t>
-            </a:r>
-            <a:endParaRPr lang="ru-RU" sz="3600" dirty="0"/>
           </a:p>
         </p:txBody>
       </p:sp>
     </p:spTree>
     <p:extLst>
       <p:ext uri="{BB962C8B-B14F-4D97-AF65-F5344CB8AC3E}">
-        <p14:creationId xmlns:p14="http://schemas.microsoft.com/office/powerpoint/2010/main" val="3143375927"/>
+        <p14:creationId xmlns:p14="http://schemas.microsoft.com/office/powerpoint/2010/main" val="3655498139"/>
       </p:ext>
     </p:extLst>
   </p:cSld>
@@ -6753,124 +6496,15 @@
       </p:grpSpPr>
       <p:sp>
         <p:nvSpPr>
-          <p:cNvPr id="5" name="Прямоугольник 4"/>
-          <p:cNvSpPr/>
+          <p:cNvPr id="7" name="Номер слайда 36"/>
+          <p:cNvSpPr txBox="1">
+            <a:spLocks/>
+          </p:cNvSpPr>
           <p:nvPr/>
         </p:nvSpPr>
         <p:spPr>
           <a:xfrm>
-            <a:off x="0" y="0"/>
-            <a:ext cx="12192000" cy="6858000"/>
-          </a:xfrm>
-          <a:prstGeom prst="rect">
-            <a:avLst/>
-          </a:prstGeom>
-          <a:solidFill>
-            <a:srgbClr val="002060"/>
-          </a:solidFill>
-        </p:spPr>
-        <p:style>
-          <a:lnRef idx="2">
-            <a:schemeClr val="accent1">
-              <a:shade val="50000"/>
-            </a:schemeClr>
-          </a:lnRef>
-          <a:fillRef idx="1">
-            <a:schemeClr val="accent1"/>
-          </a:fillRef>
-          <a:effectRef idx="0">
-            <a:schemeClr val="accent1"/>
-          </a:effectRef>
-          <a:fontRef idx="minor">
-            <a:schemeClr val="lt1"/>
-          </a:fontRef>
-        </p:style>
-        <p:txBody>
-          <a:bodyPr rtlCol="0" anchor="ctr"/>
-          <a:lstStyle/>
-          <a:p>
-            <a:pPr algn="ctr"/>
-            <a:r>
-              <a:rPr lang="ru-RU" sz="7200" b="1" dirty="0"/>
-              <a:t>4</a:t>
-            </a:r>
-            <a:r>
-              <a:rPr lang="en-US" sz="7200" b="1" dirty="0"/>
-              <a:t>. </a:t>
-            </a:r>
-            <a:r>
-              <a:rPr lang="ru-RU" sz="7200" b="1" dirty="0"/>
-              <a:t>Файл</a:t>
-            </a:r>
-            <a:r>
-              <a:rPr lang="en-US" sz="7200" b="1" dirty="0"/>
-              <a:t> </a:t>
-            </a:r>
-            <a:r>
-              <a:rPr lang="en-US" sz="7200" b="1" dirty="0">
-                <a:solidFill>
-                  <a:srgbClr val="92D050"/>
-                </a:solidFill>
-              </a:rPr>
-              <a:t>.</a:t>
-            </a:r>
-            <a:r>
-              <a:rPr lang="en-US" sz="7200" b="1" dirty="0" err="1">
-                <a:solidFill>
-                  <a:srgbClr val="92D050"/>
-                </a:solidFill>
-              </a:rPr>
-              <a:t>gitignore</a:t>
-            </a:r>
-            <a:endParaRPr lang="uk-UA" sz="7200" b="1" dirty="0">
-              <a:solidFill>
-                <a:srgbClr val="92D050"/>
-              </a:solidFill>
-            </a:endParaRPr>
-          </a:p>
-        </p:txBody>
-      </p:sp>
-    </p:spTree>
-    <p:extLst>
-      <p:ext uri="{BB962C8B-B14F-4D97-AF65-F5344CB8AC3E}">
-        <p14:creationId xmlns:p14="http://schemas.microsoft.com/office/powerpoint/2010/main" val="1487823905"/>
-      </p:ext>
-    </p:extLst>
-  </p:cSld>
-  <p:clrMapOvr>
-    <a:masterClrMapping/>
-  </p:clrMapOvr>
-</p:sld>
-</file>
-
-<file path=ppt/slides/slide9.xml><?xml version="1.0" encoding="utf-8"?>
-<p:sld xmlns:a="http://schemas.openxmlformats.org/drawingml/2006/main" xmlns:r="http://schemas.openxmlformats.org/officeDocument/2006/relationships" xmlns:p="http://schemas.openxmlformats.org/presentationml/2006/main">
-  <p:cSld>
-    <p:spTree>
-      <p:nvGrpSpPr>
-        <p:cNvPr id="1" name=""/>
-        <p:cNvGrpSpPr/>
-        <p:nvPr/>
-      </p:nvGrpSpPr>
-      <p:grpSpPr>
-        <a:xfrm>
-          <a:off x="0" y="0"/>
-          <a:ext cx="0" cy="0"/>
-          <a:chOff x="0" y="0"/>
-          <a:chExt cx="0" cy="0"/>
-        </a:xfrm>
-      </p:grpSpPr>
-      <p:sp>
-        <p:nvSpPr>
-          <p:cNvPr id="6" name="Номер слайда 36"/>
-          <p:cNvSpPr txBox="1">
-            <a:spLocks/>
-          </p:cNvSpPr>
-          <p:nvPr/>
-        </p:nvSpPr>
-        <p:spPr>
-          <a:xfrm>
-            <a:off x="11174762" y="6165304"/>
+            <a:off x="11208568" y="6093296"/>
             <a:ext cx="648072" cy="432048"/>
           </a:xfrm>
           <a:prstGeom prst="roundRect">
@@ -6918,7 +6552,7 @@
               <a:pPr algn="ctr">
                 <a:defRPr/>
               </a:pPr>
-              <a:t>9</a:t>
+              <a:t>8</a:t>
             </a:fld>
             <a:endParaRPr lang="uk-UA" sz="2400" b="1" dirty="0">
               <a:solidFill>
@@ -6932,14 +6566,14 @@
       </p:sp>
       <p:sp>
         <p:nvSpPr>
-          <p:cNvPr id="14" name="TextBox 13"/>
+          <p:cNvPr id="3" name="TextBox 2"/>
           <p:cNvSpPr txBox="1"/>
           <p:nvPr/>
         </p:nvSpPr>
         <p:spPr>
           <a:xfrm>
-            <a:off x="0" y="188640"/>
-            <a:ext cx="12192000" cy="923330"/>
+            <a:off x="0" y="560874"/>
+            <a:ext cx="12192000" cy="707886"/>
           </a:xfrm>
           <a:prstGeom prst="rect">
             <a:avLst/>
@@ -6954,103 +6588,124 @@
           <a:p>
             <a:pPr algn="ctr"/>
             <a:r>
-              <a:rPr lang="ru-RU" sz="5400" b="1" dirty="0"/>
-              <a:t>Файл </a:t>
-            </a:r>
-            <a:r>
-              <a:rPr lang="ru-RU" sz="5400" b="1" dirty="0">
+              <a:rPr lang="ru-RU" sz="4000" b="1" dirty="0"/>
+              <a:t>Концепция </a:t>
+            </a:r>
+            <a:r>
+              <a:rPr lang="en-US" sz="4000" b="1" dirty="0">
                 <a:solidFill>
-                  <a:srgbClr val="7030A0"/>
+                  <a:schemeClr val="accent6">
+                    <a:lumMod val="75000"/>
+                  </a:schemeClr>
                 </a:solidFill>
               </a:rPr>
-              <a:t>.</a:t>
-            </a:r>
-            <a:r>
-              <a:rPr lang="en-US" sz="5400" b="1" dirty="0" err="1">
+              <a:t>S</a:t>
+            </a:r>
+            <a:r>
+              <a:rPr lang="en-US" sz="4000" b="1" dirty="0"/>
+              <a:t>ingle </a:t>
+            </a:r>
+            <a:r>
+              <a:rPr lang="en-US" sz="4000" b="1" dirty="0">
                 <a:solidFill>
-                  <a:srgbClr val="7030A0"/>
+                  <a:schemeClr val="accent6">
+                    <a:lumMod val="75000"/>
+                  </a:schemeClr>
                 </a:solidFill>
               </a:rPr>
-              <a:t>gitignore</a:t>
-            </a:r>
-            <a:endParaRPr lang="ru-RU" sz="5400" b="1" dirty="0">
-              <a:solidFill>
-                <a:srgbClr val="7030A0"/>
-              </a:solidFill>
-            </a:endParaRPr>
-          </a:p>
-        </p:txBody>
-      </p:sp>
-      <p:sp>
-        <p:nvSpPr>
-          <p:cNvPr id="12" name="TextBox 11"/>
-          <p:cNvSpPr txBox="1"/>
+              <a:t>P</a:t>
+            </a:r>
+            <a:r>
+              <a:rPr lang="en-US" sz="4000" b="1" dirty="0"/>
+              <a:t>age </a:t>
+            </a:r>
+            <a:r>
+              <a:rPr lang="en-US" sz="4000" b="1" dirty="0">
+                <a:solidFill>
+                  <a:schemeClr val="accent6">
+                    <a:lumMod val="75000"/>
+                  </a:schemeClr>
+                </a:solidFill>
+              </a:rPr>
+              <a:t>A</a:t>
+            </a:r>
+            <a:r>
+              <a:rPr lang="en-US" sz="4000" b="1" dirty="0"/>
+              <a:t>pplication</a:t>
+            </a:r>
+          </a:p>
+        </p:txBody>
+      </p:sp>
+      <p:sp>
+        <p:nvSpPr>
+          <p:cNvPr id="9" name="Прямоугольник 8"/>
+          <p:cNvSpPr/>
           <p:nvPr/>
         </p:nvSpPr>
         <p:spPr>
           <a:xfrm>
-            <a:off x="1415480" y="5004545"/>
-            <a:ext cx="9615302" cy="1569660"/>
+            <a:off x="1127448" y="5661248"/>
+            <a:ext cx="10873208" cy="461665"/>
           </a:xfrm>
           <a:prstGeom prst="rect">
             <a:avLst/>
           </a:prstGeom>
-          <a:noFill/>
         </p:spPr>
         <p:txBody>
-          <a:bodyPr wrap="square" rtlCol="0">
+          <a:bodyPr wrap="square">
             <a:spAutoFit/>
           </a:bodyPr>
           <a:lstStyle/>
           <a:p>
             <a:r>
               <a:rPr lang="ru-RU" sz="2400" dirty="0"/>
-              <a:t>Файл </a:t>
-            </a:r>
-            <a:r>
-              <a:rPr lang="en-US" sz="2400" b="1" dirty="0"/>
-              <a:t>.</a:t>
-            </a:r>
-            <a:r>
-              <a:rPr lang="en-US" sz="2400" b="1" dirty="0" err="1"/>
-              <a:t>gitignore</a:t>
-            </a:r>
-            <a:r>
-              <a:rPr lang="en-US" sz="2400" b="1" dirty="0"/>
+              <a:t>Воспользуйтесь шаблоном</a:t>
+            </a:r>
+            <a:r>
+              <a:rPr lang="en-US" sz="2400" dirty="0"/>
               <a:t> </a:t>
             </a:r>
             <a:r>
-              <a:rPr lang="en-US" sz="2400" dirty="0"/>
-              <a:t>– </a:t>
-            </a:r>
-            <a:r>
               <a:rPr lang="ru-RU" sz="2400" dirty="0"/>
-              <a:t>позволяет указать файлы и/или каталоги которые буду игнорироваться (исключаться) </a:t>
-            </a:r>
-            <a:r>
-              <a:rPr lang="en-US" sz="2400" dirty="0"/>
-              <a:t>git-</a:t>
+              <a:t>в </a:t>
             </a:r>
             <a:r>
               <a:rPr lang="ru-RU" sz="2400" dirty="0" err="1"/>
-              <a:t>клинетом</a:t>
+              <a:t>репозитории</a:t>
             </a:r>
             <a:r>
               <a:rPr lang="ru-RU" sz="2400" dirty="0"/>
-              <a:t>, т.е. за ними не будет наблюдения. Каталог </a:t>
-            </a:r>
-            <a:r>
-              <a:rPr lang="en-US" sz="2400" b="1" dirty="0" err="1"/>
-              <a:t>node_modules</a:t>
+              <a:t> занятия </a:t>
+            </a:r>
+            <a:r>
+              <a:rPr lang="en-US" sz="2400" b="1" dirty="0">
+                <a:solidFill>
+                  <a:srgbClr val="0070C0"/>
+                </a:solidFill>
+              </a:rPr>
+              <a:t>./</a:t>
+            </a:r>
+            <a:r>
+              <a:rPr lang="en-US" sz="2400" b="1" dirty="0" err="1">
+                <a:solidFill>
+                  <a:srgbClr val="0070C0"/>
+                </a:solidFill>
+              </a:rPr>
+              <a:t>src</a:t>
+            </a:r>
+            <a:r>
+              <a:rPr lang="en-US" sz="2400" b="1" dirty="0">
+                <a:solidFill>
+                  <a:srgbClr val="0070C0"/>
+                </a:solidFill>
+              </a:rPr>
+              <a:t>/spa-example</a:t>
             </a:r>
             <a:r>
               <a:rPr lang="ru-RU" sz="2400" b="1" dirty="0"/>
-              <a:t>/ </a:t>
-            </a:r>
-            <a:r>
-              <a:rPr lang="ru-RU" sz="2400" dirty="0"/>
-              <a:t>следует включить в список исключений. </a:t>
-            </a:r>
+              <a:t> </a:t>
+            </a:r>
+            <a:endParaRPr lang="uk-UA" sz="2400" b="1" dirty="0"/>
           </a:p>
         </p:txBody>
       </p:sp>
@@ -7059,7 +6714,7 @@
           <p:cNvPr id="4" name="Рисунок 3">
             <a:extLst>
               <a:ext uri="{FF2B5EF4-FFF2-40B4-BE49-F238E27FC236}">
-                <a16:creationId xmlns:a16="http://schemas.microsoft.com/office/drawing/2014/main" id="{F759C960-D50C-427C-92BE-6AC5D6F52BA1}"/>
+                <a16:creationId xmlns:a16="http://schemas.microsoft.com/office/drawing/2014/main" id="{327FC318-B04E-4A11-B86C-595C0089BF48}"/>
               </a:ext>
             </a:extLst>
           </p:cNvPr>
@@ -7076,28 +6731,95 @@
         </p:blipFill>
         <p:spPr>
           <a:xfrm>
-            <a:off x="1847528" y="1196752"/>
-            <a:ext cx="8496944" cy="3504390"/>
+            <a:off x="0" y="2295380"/>
+            <a:ext cx="12192000" cy="2267239"/>
           </a:xfrm>
           <a:prstGeom prst="rect">
             <a:avLst/>
           </a:prstGeom>
-          <a:ln>
-            <a:noFill/>
-          </a:ln>
-          <a:effectLst>
-            <a:outerShdw blurRad="292100" dist="139700" dir="2700000" algn="tl" rotWithShape="0">
-              <a:srgbClr val="333333">
-                <a:alpha val="65000"/>
-              </a:srgbClr>
-            </a:outerShdw>
-          </a:effectLst>
         </p:spPr>
       </p:pic>
     </p:spTree>
     <p:extLst>
       <p:ext uri="{BB962C8B-B14F-4D97-AF65-F5344CB8AC3E}">
-        <p14:creationId xmlns:p14="http://schemas.microsoft.com/office/powerpoint/2010/main" val="2026322808"/>
+        <p14:creationId xmlns:p14="http://schemas.microsoft.com/office/powerpoint/2010/main" val="2977534443"/>
+      </p:ext>
+    </p:extLst>
+  </p:cSld>
+  <p:clrMapOvr>
+    <a:masterClrMapping/>
+  </p:clrMapOvr>
+</p:sld>
+</file>
+
+<file path=ppt/slides/slide9.xml><?xml version="1.0" encoding="utf-8"?>
+<p:sld xmlns:a="http://schemas.openxmlformats.org/drawingml/2006/main" xmlns:r="http://schemas.openxmlformats.org/officeDocument/2006/relationships" xmlns:p="http://schemas.openxmlformats.org/presentationml/2006/main">
+  <p:cSld>
+    <p:spTree>
+      <p:nvGrpSpPr>
+        <p:cNvPr id="1" name=""/>
+        <p:cNvGrpSpPr/>
+        <p:nvPr/>
+      </p:nvGrpSpPr>
+      <p:grpSpPr>
+        <a:xfrm>
+          <a:off x="0" y="0"/>
+          <a:ext cx="0" cy="0"/>
+          <a:chOff x="0" y="0"/>
+          <a:chExt cx="0" cy="0"/>
+        </a:xfrm>
+      </p:grpSpPr>
+      <p:sp>
+        <p:nvSpPr>
+          <p:cNvPr id="5" name="Прямоугольник 4"/>
+          <p:cNvSpPr/>
+          <p:nvPr/>
+        </p:nvSpPr>
+        <p:spPr>
+          <a:xfrm>
+            <a:off x="0" y="0"/>
+            <a:ext cx="12192000" cy="6858000"/>
+          </a:xfrm>
+          <a:prstGeom prst="rect">
+            <a:avLst/>
+          </a:prstGeom>
+          <a:solidFill>
+            <a:srgbClr val="002060"/>
+          </a:solidFill>
+        </p:spPr>
+        <p:style>
+          <a:lnRef idx="2">
+            <a:schemeClr val="accent1">
+              <a:shade val="50000"/>
+            </a:schemeClr>
+          </a:lnRef>
+          <a:fillRef idx="1">
+            <a:schemeClr val="accent1"/>
+          </a:fillRef>
+          <a:effectRef idx="0">
+            <a:schemeClr val="accent1"/>
+          </a:effectRef>
+          <a:fontRef idx="minor">
+            <a:schemeClr val="lt1"/>
+          </a:fontRef>
+        </p:style>
+        <p:txBody>
+          <a:bodyPr rtlCol="0" anchor="ctr"/>
+          <a:lstStyle/>
+          <a:p>
+            <a:pPr algn="ctr"/>
+            <a:r>
+              <a:rPr lang="ru-RU" sz="6000" b="1" dirty="0"/>
+              <a:t>Будет полезным</a:t>
+            </a:r>
+            <a:endParaRPr lang="uk-UA" sz="6000" b="1" dirty="0"/>
+          </a:p>
+        </p:txBody>
+      </p:sp>
+    </p:spTree>
+    <p:extLst>
+      <p:ext uri="{BB962C8B-B14F-4D97-AF65-F5344CB8AC3E}">
+        <p14:creationId xmlns:p14="http://schemas.microsoft.com/office/powerpoint/2010/main" val="433616710"/>
       </p:ext>
     </p:extLst>
   </p:cSld>
